--- a/pdfs/w2/D7_.NET_RDBMS-DML.pptx
+++ b/pdfs/w2/D7_.NET_RDBMS-DML.pptx
@@ -484,7 +484,7 @@
           <a:p>
             <a:fld id="{9184DA70-C731-4C70-880D-CCD4705E623C}" type="datetime1">
               <a:rPr lang="en-US" smtClean="0"/>
-              <a:t>12/11/2021</a:t>
+              <a:t>12/14/2021</a:t>
             </a:fld>
             <a:endParaRPr lang="en-US" dirty="0"/>
           </a:p>
@@ -672,7 +672,7 @@
           <a:p>
             <a:fld id="{B612A279-0833-481D-8C56-F67FD0AC6C50}" type="datetime1">
               <a:rPr lang="en-US" smtClean="0"/>
-              <a:t>12/11/2021</a:t>
+              <a:t>12/14/2021</a:t>
             </a:fld>
             <a:endParaRPr lang="en-US" dirty="0"/>
           </a:p>
@@ -914,7 +914,7 @@
           <a:p>
             <a:fld id="{6587DA83-5663-4C9C-B9AA-0B40A3DAFF81}" type="datetime1">
               <a:rPr lang="en-US" smtClean="0"/>
-              <a:t>12/11/2021</a:t>
+              <a:t>12/14/2021</a:t>
             </a:fld>
             <a:endParaRPr lang="en-US" dirty="0"/>
           </a:p>
@@ -1102,7 +1102,7 @@
           <a:p>
             <a:fld id="{4BE1D723-8F53-4F53-90B0-1982A396982E}" type="datetime1">
               <a:rPr lang="en-US" smtClean="0"/>
-              <a:t>12/11/2021</a:t>
+              <a:t>12/14/2021</a:t>
             </a:fld>
             <a:endParaRPr lang="en-US" dirty="0"/>
           </a:p>
@@ -1475,7 +1475,7 @@
           <a:p>
             <a:fld id="{97669AF7-7BEB-44E4-9852-375E34362B5B}" type="datetime1">
               <a:rPr lang="en-US" smtClean="0"/>
-              <a:t>12/11/2021</a:t>
+              <a:t>12/14/2021</a:t>
             </a:fld>
             <a:endParaRPr lang="en-US" dirty="0"/>
           </a:p>
@@ -1730,7 +1730,7 @@
           <a:p>
             <a:fld id="{BAAAC38D-0552-4C82-B593-E6124DFADBE2}" type="datetime1">
               <a:rPr lang="en-US" smtClean="0"/>
-              <a:t>12/11/2021</a:t>
+              <a:t>12/14/2021</a:t>
             </a:fld>
             <a:endParaRPr lang="en-US" dirty="0"/>
           </a:p>
@@ -2127,7 +2127,7 @@
           <a:p>
             <a:fld id="{D9DF0F1C-5577-4ACB-BB62-DF8F3C494C7E}" type="datetime1">
               <a:rPr lang="en-US" smtClean="0"/>
-              <a:t>12/11/2021</a:t>
+              <a:t>12/14/2021</a:t>
             </a:fld>
             <a:endParaRPr lang="en-US" dirty="0"/>
           </a:p>
@@ -2263,7 +2263,7 @@
           <a:p>
             <a:fld id="{1775B394-D9F9-4F0C-B15D-605F45CB9E9F}" type="datetime1">
               <a:rPr lang="en-US" smtClean="0"/>
-              <a:t>12/11/2021</a:t>
+              <a:t>12/14/2021</a:t>
             </a:fld>
             <a:endParaRPr lang="en-US" dirty="0"/>
           </a:p>
@@ -2420,7 +2420,7 @@
           <a:p>
             <a:fld id="{39667345-2558-425A-8533-9BFDBCE15005}" type="datetime1">
               <a:rPr lang="en-US" smtClean="0"/>
-              <a:t>12/11/2021</a:t>
+              <a:t>12/14/2021</a:t>
             </a:fld>
             <a:endParaRPr lang="en-US" dirty="0"/>
           </a:p>
@@ -2749,7 +2749,7 @@
           <a:p>
             <a:fld id="{92BEA474-078D-4E9B-9B14-09A87B19DC46}" type="datetime1">
               <a:rPr lang="en-US" smtClean="0"/>
-              <a:t>12/11/2021</a:t>
+              <a:t>12/14/2021</a:t>
             </a:fld>
             <a:endParaRPr lang="en-US" dirty="0"/>
           </a:p>
@@ -3099,7 +3099,7 @@
           <a:p>
             <a:fld id="{4907D986-8816-4272-A432-0437A28A9828}" type="datetime1">
               <a:rPr lang="en-US" smtClean="0"/>
-              <a:t>12/11/2021</a:t>
+              <a:t>12/14/2021</a:t>
             </a:fld>
             <a:endParaRPr lang="en-US" dirty="0"/>
           </a:p>
@@ -3360,7 +3360,7 @@
           <a:p>
             <a:fld id="{62D6E202-B606-4609-B914-27C9371A1F6D}" type="datetime1">
               <a:rPr lang="en-US" smtClean="0"/>
-              <a:t>12/11/2021</a:t>
+              <a:t>12/14/2021</a:t>
             </a:fld>
             <a:endParaRPr lang="en-US" dirty="0"/>
           </a:p>
@@ -7160,7 +7160,11 @@
           <a:lstStyle/>
           <a:p>
             <a:r>
-              <a:rPr lang="en-US" dirty="0"/>
+              <a:rPr lang="en-US" dirty="0">
+                <a:solidFill>
+                  <a:schemeClr val="tx1"/>
+                </a:solidFill>
+              </a:rPr>
               <a:t>ROW_NUMBER</a:t>
             </a:r>
             <a:br>
@@ -7202,7 +7206,11 @@
               <a:buChar char="•"/>
             </a:pPr>
             <a:r>
-              <a:rPr lang="en-US" dirty="0"/>
+              <a:rPr lang="en-US" dirty="0">
+                <a:solidFill>
+                  <a:schemeClr val="tx1"/>
+                </a:solidFill>
+              </a:rPr>
               <a:t>Assign a row number to every tuple. Then you can search based of the row number</a:t>
             </a:r>
           </a:p>
@@ -9369,6 +9377,32 @@
           <a:bodyPr/>
           <a:lstStyle/>
           <a:p>
+            <a:r>
+              <a:rPr lang="en-US" sz="2000" dirty="0">
+                <a:solidFill>
+                  <a:srgbClr val="FF0000"/>
+                </a:solidFill>
+              </a:rPr>
+              <a:t>SELECT ROUND(</a:t>
+            </a:r>
+            <a:r>
+              <a:rPr lang="en-US" sz="2000" dirty="0" err="1">
+                <a:solidFill>
+                  <a:srgbClr val="FF0000"/>
+                </a:solidFill>
+              </a:rPr>
+              <a:t>rental_rate</a:t>
+            </a:r>
+            <a:r>
+              <a:rPr lang="en-US" sz="2000" dirty="0">
+                <a:solidFill>
+                  <a:srgbClr val="FF0000"/>
+                </a:solidFill>
+              </a:rPr>
+              <a:t>/replacement_cost,2) FROM film;</a:t>
+            </a:r>
+          </a:p>
+          <a:p>
             <a:endParaRPr lang="en-US" dirty="0">
               <a:solidFill>
                 <a:schemeClr val="tx1"/>
@@ -9514,32 +9548,6 @@
                 </a:solidFill>
               </a:rPr>
               <a:t> FROM film;</a:t>
-            </a:r>
-          </a:p>
-          <a:p>
-            <a:r>
-              <a:rPr lang="en-US" sz="2400" dirty="0">
-                <a:solidFill>
-                  <a:srgbClr val="FF0000"/>
-                </a:solidFill>
-              </a:rPr>
-              <a:t>SELECT ROUND(</a:t>
-            </a:r>
-            <a:r>
-              <a:rPr lang="en-US" sz="2400" dirty="0" err="1">
-                <a:solidFill>
-                  <a:srgbClr val="FF0000"/>
-                </a:solidFill>
-              </a:rPr>
-              <a:t>rental_rate</a:t>
-            </a:r>
-            <a:r>
-              <a:rPr lang="en-US" sz="2400" dirty="0">
-                <a:solidFill>
-                  <a:srgbClr val="FF0000"/>
-                </a:solidFill>
-              </a:rPr>
-              <a:t>/replacement_cost,2) FROM film;</a:t>
             </a:r>
           </a:p>
           <a:p>
@@ -10441,23 +10449,6 @@
           </a:p>
           <a:p>
             <a:r>
-              <a:rPr lang="en-US" dirty="0">
-                <a:solidFill>
-                  <a:schemeClr val="tx1"/>
-                </a:solidFill>
-              </a:rPr>
-              <a:t>SQL Server Express - </a:t>
-            </a:r>
-            <a:r>
-              <a:rPr lang="en-US" dirty="0">
-                <a:hlinkClick r:id="rId4"/>
-              </a:rPr>
-              <a:t>https://www.microsoft.com/en-us/download/details.aspx?id=55994</a:t>
-            </a:r>
-            <a:endParaRPr lang="en-US" dirty="0"/>
-          </a:p>
-          <a:p>
-            <a:r>
               <a:rPr lang="en-US" b="1" dirty="0">
                 <a:solidFill>
                   <a:schemeClr val="tx1"/>
@@ -10506,9 +10497,12 @@
             </a:pPr>
             <a:r>
               <a:rPr lang="en-US" dirty="0">
-                <a:hlinkClick r:id="rId5"/>
-              </a:rPr>
-              <a:t>https://www.microsoft.com/en-us/download/details.aspx?id=42299</a:t>
+                <a:solidFill>
+                  <a:schemeClr val="tx1"/>
+                </a:solidFill>
+                <a:hlinkClick r:id="rId4"/>
+              </a:rPr>
+              <a:t>https://www.microsoft.com/en-us/download/details.aspx?id=101064</a:t>
             </a:r>
             <a:endParaRPr lang="en-US" dirty="0"/>
           </a:p>
@@ -10592,10 +10586,15 @@
             <p:ph idx="1"/>
           </p:nvPr>
         </p:nvSpPr>
-        <p:spPr/>
+        <p:spPr>
+          <a:xfrm>
+            <a:off x="1097280" y="2108201"/>
+            <a:ext cx="10058400" cy="4315345"/>
+          </a:xfrm>
+        </p:spPr>
         <p:txBody>
           <a:bodyPr>
-            <a:normAutofit fontScale="92500" lnSpcReduction="20000"/>
+            <a:normAutofit fontScale="92500" lnSpcReduction="10000"/>
           </a:bodyPr>
           <a:lstStyle/>
           <a:p>
@@ -10605,12 +10604,12 @@
                   <a:schemeClr val="tx1"/>
                 </a:solidFill>
               </a:rPr>
-              <a:t>-- basic exercises in groups of 3 (Chinook database)</a:t>
-            </a:r>
-          </a:p>
-          <a:p>
-            <a:r>
-              <a:rPr lang="en-US" dirty="0">
+              <a:t>Basic exercises in groups of 3 (Chinook database):</a:t>
+            </a:r>
+          </a:p>
+          <a:p>
+            <a:r>
+              <a:rPr lang="en-US" sz="2200" dirty="0">
                 <a:solidFill>
                   <a:schemeClr val="tx1"/>
                 </a:solidFill>
@@ -10620,7 +10619,7 @@
           </a:p>
           <a:p>
             <a:r>
-              <a:rPr lang="en-US" dirty="0">
+              <a:rPr lang="en-US" sz="2200" dirty="0">
                 <a:solidFill>
                   <a:schemeClr val="tx1"/>
                 </a:solidFill>
@@ -10630,7 +10629,7 @@
           </a:p>
           <a:p>
             <a:r>
-              <a:rPr lang="en-US" dirty="0">
+              <a:rPr lang="en-US" sz="2200" dirty="0">
                 <a:solidFill>
                   <a:schemeClr val="tx1"/>
                 </a:solidFill>
@@ -10640,7 +10639,7 @@
           </a:p>
           <a:p>
             <a:r>
-              <a:rPr lang="en-US" dirty="0">
+              <a:rPr lang="en-US" sz="2200" dirty="0">
                 <a:solidFill>
                   <a:schemeClr val="tx1"/>
                 </a:solidFill>
@@ -10650,7 +10649,7 @@
           </a:p>
           <a:p>
             <a:r>
-              <a:rPr lang="en-US" dirty="0">
+              <a:rPr lang="en-US" sz="2200" dirty="0">
                 <a:solidFill>
                   <a:schemeClr val="tx1"/>
                 </a:solidFill>
@@ -10660,7 +10659,7 @@
           </a:p>
           <a:p>
             <a:r>
-              <a:rPr lang="en-US" dirty="0">
+              <a:rPr lang="en-US" sz="2200" dirty="0">
                 <a:solidFill>
                   <a:schemeClr val="tx1"/>
                 </a:solidFill>
@@ -10670,7 +10669,7 @@
           </a:p>
           <a:p>
             <a:r>
-              <a:rPr lang="en-US" dirty="0">
+              <a:rPr lang="en-US" sz="2200" dirty="0">
                 <a:solidFill>
                   <a:schemeClr val="tx1"/>
                 </a:solidFill>
@@ -10680,7 +10679,7 @@
           </a:p>
           <a:p>
             <a:r>
-              <a:rPr lang="en-US" dirty="0">
+              <a:rPr lang="en-US" sz="2200" dirty="0">
                 <a:solidFill>
                   <a:schemeClr val="tx1"/>
                 </a:solidFill>
